--- a/AI-딥러닝을위한-수학공식.pptx
+++ b/AI-딥러닝을위한-수학공식.pptx
@@ -5,7 +5,7 @@
     <p:sldMasterId id="2147483648" r:id="rId1"/>
   </p:sldMasterIdLst>
   <p:notesMasterIdLst>
-    <p:notesMasterId r:id="rId45"/>
+    <p:notesMasterId r:id="rId48"/>
   </p:notesMasterIdLst>
   <p:sldIdLst>
     <p:sldId id="256" r:id="rId2"/>
@@ -51,6 +51,9 @@
     <p:sldId id="363" r:id="rId42"/>
     <p:sldId id="364" r:id="rId43"/>
     <p:sldId id="359" r:id="rId44"/>
+    <p:sldId id="378" r:id="rId45"/>
+    <p:sldId id="379" r:id="rId46"/>
+    <p:sldId id="380" r:id="rId47"/>
   </p:sldIdLst>
   <p:sldSz cx="12192000" cy="6858000"/>
   <p:notesSz cx="6858000" cy="9144000"/>
@@ -250,7 +253,7 @@
           <a:p>
             <a:fld id="{2419C5A5-FB7C-4404-8A54-1ABAD078A835}" type="datetimeFigureOut">
               <a:rPr lang="ko-KR" altLang="en-US" smtClean="0"/>
-              <a:t>2023-09-21</a:t>
+              <a:t>2023-09-22</a:t>
             </a:fld>
             <a:endParaRPr lang="ko-KR" altLang="en-US"/>
           </a:p>
@@ -3240,6 +3243,182 @@
     <p:extLst>
       <p:ext uri="{BB962C8B-B14F-4D97-AF65-F5344CB8AC3E}">
         <p14:creationId xmlns:p14="http://schemas.microsoft.com/office/powerpoint/2010/main" val="2216470943"/>
+      </p:ext>
+    </p:extLst>
+  </p:cSld>
+  <p:clrMapOvr>
+    <a:masterClrMapping/>
+  </p:clrMapOvr>
+</p:notes>
+</file>
+
+<file path=ppt/notesSlides/notesSlide35.xml><?xml version="1.0" encoding="utf-8"?>
+<p:notes xmlns:a="http://schemas.openxmlformats.org/drawingml/2006/main" xmlns:r="http://schemas.openxmlformats.org/officeDocument/2006/relationships" xmlns:p="http://schemas.openxmlformats.org/presentationml/2006/main">
+  <p:cSld>
+    <p:spTree>
+      <p:nvGrpSpPr>
+        <p:cNvPr id="1" name=""/>
+        <p:cNvGrpSpPr/>
+        <p:nvPr/>
+      </p:nvGrpSpPr>
+      <p:grpSpPr>
+        <a:xfrm>
+          <a:off x="0" y="0"/>
+          <a:ext cx="0" cy="0"/>
+          <a:chOff x="0" y="0"/>
+          <a:chExt cx="0" cy="0"/>
+        </a:xfrm>
+      </p:grpSpPr>
+      <p:sp>
+        <p:nvSpPr>
+          <p:cNvPr id="2" name="슬라이드 이미지 개체 틀 1"/>
+          <p:cNvSpPr>
+            <a:spLocks noGrp="1" noRot="1" noChangeAspect="1"/>
+          </p:cNvSpPr>
+          <p:nvPr>
+            <p:ph type="sldImg"/>
+          </p:nvPr>
+        </p:nvSpPr>
+        <p:spPr/>
+      </p:sp>
+      <p:sp>
+        <p:nvSpPr>
+          <p:cNvPr id="3" name="슬라이드 노트 개체 틀 2"/>
+          <p:cNvSpPr>
+            <a:spLocks noGrp="1"/>
+          </p:cNvSpPr>
+          <p:nvPr>
+            <p:ph type="body" idx="1"/>
+          </p:nvPr>
+        </p:nvSpPr>
+        <p:spPr/>
+        <p:txBody>
+          <a:bodyPr/>
+          <a:lstStyle/>
+          <a:p>
+            <a:r>
+              <a:rPr lang="en-US" altLang="ko-KR" dirty="0"/>
+              <a:t>https://m.blog.naver.com/algosn/221305765476</a:t>
+            </a:r>
+            <a:endParaRPr lang="ko-KR" altLang="en-US" dirty="0"/>
+          </a:p>
+        </p:txBody>
+      </p:sp>
+      <p:sp>
+        <p:nvSpPr>
+          <p:cNvPr id="4" name="슬라이드 번호 개체 틀 3"/>
+          <p:cNvSpPr>
+            <a:spLocks noGrp="1"/>
+          </p:cNvSpPr>
+          <p:nvPr>
+            <p:ph type="sldNum" sz="quarter" idx="5"/>
+          </p:nvPr>
+        </p:nvSpPr>
+        <p:spPr/>
+        <p:txBody>
+          <a:bodyPr/>
+          <a:lstStyle/>
+          <a:p>
+            <a:fld id="{353DFDED-2E9F-41DA-A9FA-780DFF41939C}" type="slidenum">
+              <a:rPr lang="ko-KR" altLang="en-US" smtClean="0"/>
+              <a:t>45</a:t>
+            </a:fld>
+            <a:endParaRPr lang="ko-KR" altLang="en-US"/>
+          </a:p>
+        </p:txBody>
+      </p:sp>
+    </p:spTree>
+    <p:extLst>
+      <p:ext uri="{BB962C8B-B14F-4D97-AF65-F5344CB8AC3E}">
+        <p14:creationId xmlns:p14="http://schemas.microsoft.com/office/powerpoint/2010/main" val="1908392176"/>
+      </p:ext>
+    </p:extLst>
+  </p:cSld>
+  <p:clrMapOvr>
+    <a:masterClrMapping/>
+  </p:clrMapOvr>
+</p:notes>
+</file>
+
+<file path=ppt/notesSlides/notesSlide36.xml><?xml version="1.0" encoding="utf-8"?>
+<p:notes xmlns:a="http://schemas.openxmlformats.org/drawingml/2006/main" xmlns:r="http://schemas.openxmlformats.org/officeDocument/2006/relationships" xmlns:p="http://schemas.openxmlformats.org/presentationml/2006/main">
+  <p:cSld>
+    <p:spTree>
+      <p:nvGrpSpPr>
+        <p:cNvPr id="1" name=""/>
+        <p:cNvGrpSpPr/>
+        <p:nvPr/>
+      </p:nvGrpSpPr>
+      <p:grpSpPr>
+        <a:xfrm>
+          <a:off x="0" y="0"/>
+          <a:ext cx="0" cy="0"/>
+          <a:chOff x="0" y="0"/>
+          <a:chExt cx="0" cy="0"/>
+        </a:xfrm>
+      </p:grpSpPr>
+      <p:sp>
+        <p:nvSpPr>
+          <p:cNvPr id="2" name="슬라이드 이미지 개체 틀 1"/>
+          <p:cNvSpPr>
+            <a:spLocks noGrp="1" noRot="1" noChangeAspect="1"/>
+          </p:cNvSpPr>
+          <p:nvPr>
+            <p:ph type="sldImg"/>
+          </p:nvPr>
+        </p:nvSpPr>
+        <p:spPr/>
+      </p:sp>
+      <p:sp>
+        <p:nvSpPr>
+          <p:cNvPr id="3" name="슬라이드 노트 개체 틀 2"/>
+          <p:cNvSpPr>
+            <a:spLocks noGrp="1"/>
+          </p:cNvSpPr>
+          <p:nvPr>
+            <p:ph type="body" idx="1"/>
+          </p:nvPr>
+        </p:nvSpPr>
+        <p:spPr/>
+        <p:txBody>
+          <a:bodyPr/>
+          <a:lstStyle/>
+          <a:p>
+            <a:r>
+              <a:rPr lang="en-US" altLang="ko-KR" dirty="0"/>
+              <a:t>https://compmath.korea.ac.kr/deeplearning/BackPropagation.html#id10</a:t>
+            </a:r>
+            <a:endParaRPr lang="ko-KR" altLang="en-US" dirty="0"/>
+          </a:p>
+        </p:txBody>
+      </p:sp>
+      <p:sp>
+        <p:nvSpPr>
+          <p:cNvPr id="4" name="슬라이드 번호 개체 틀 3"/>
+          <p:cNvSpPr>
+            <a:spLocks noGrp="1"/>
+          </p:cNvSpPr>
+          <p:nvPr>
+            <p:ph type="sldNum" sz="quarter" idx="5"/>
+          </p:nvPr>
+        </p:nvSpPr>
+        <p:spPr/>
+        <p:txBody>
+          <a:bodyPr/>
+          <a:lstStyle/>
+          <a:p>
+            <a:fld id="{353DFDED-2E9F-41DA-A9FA-780DFF41939C}" type="slidenum">
+              <a:rPr lang="ko-KR" altLang="en-US" smtClean="0"/>
+              <a:t>46</a:t>
+            </a:fld>
+            <a:endParaRPr lang="ko-KR" altLang="en-US"/>
+          </a:p>
+        </p:txBody>
+      </p:sp>
+    </p:spTree>
+    <p:extLst>
+      <p:ext uri="{BB962C8B-B14F-4D97-AF65-F5344CB8AC3E}">
+        <p14:creationId xmlns:p14="http://schemas.microsoft.com/office/powerpoint/2010/main" val="1335496745"/>
       </p:ext>
     </p:extLst>
   </p:cSld>
@@ -30740,6 +30919,2118 @@
     <p:extLst>
       <p:ext uri="{BB962C8B-B14F-4D97-AF65-F5344CB8AC3E}">
         <p14:creationId xmlns:p14="http://schemas.microsoft.com/office/powerpoint/2010/main" val="446745656"/>
+      </p:ext>
+    </p:extLst>
+  </p:cSld>
+  <p:clrMapOvr>
+    <a:masterClrMapping/>
+  </p:clrMapOvr>
+</p:sld>
+</file>
+
+<file path=ppt/slides/slide44.xml><?xml version="1.0" encoding="utf-8"?>
+<p:sld xmlns:a="http://schemas.openxmlformats.org/drawingml/2006/main" xmlns:r="http://schemas.openxmlformats.org/officeDocument/2006/relationships" xmlns:p="http://schemas.openxmlformats.org/presentationml/2006/main">
+  <p:cSld>
+    <p:spTree>
+      <p:nvGrpSpPr>
+        <p:cNvPr id="1" name=""/>
+        <p:cNvGrpSpPr/>
+        <p:nvPr/>
+      </p:nvGrpSpPr>
+      <p:grpSpPr>
+        <a:xfrm>
+          <a:off x="0" y="0"/>
+          <a:ext cx="0" cy="0"/>
+          <a:chOff x="0" y="0"/>
+          <a:chExt cx="0" cy="0"/>
+        </a:xfrm>
+      </p:grpSpPr>
+      <p:sp>
+        <p:nvSpPr>
+          <p:cNvPr id="3" name="TextBox 2"/>
+          <p:cNvSpPr txBox="1"/>
+          <p:nvPr/>
+        </p:nvSpPr>
+        <p:spPr>
+          <a:xfrm>
+            <a:off x="7841477" y="166226"/>
+            <a:ext cx="3494867" cy="6447919"/>
+          </a:xfrm>
+          <a:prstGeom prst="rect">
+            <a:avLst/>
+          </a:prstGeom>
+          <a:noFill/>
+        </p:spPr>
+        <p:txBody>
+          <a:bodyPr wrap="none" rtlCol="0">
+            <a:spAutoFit/>
+          </a:bodyPr>
+          <a:lstStyle/>
+          <a:p>
+            <a:r>
+              <a:rPr lang="en-US" altLang="ko-KR" sz="41300" dirty="0">
+                <a:solidFill>
+                  <a:schemeClr val="accent2"/>
+                </a:solidFill>
+                <a:latin typeface="HY견고딕" panose="02030600000101010101" pitchFamily="18" charset="-127"/>
+                <a:ea typeface="HY견고딕" panose="02030600000101010101" pitchFamily="18" charset="-127"/>
+              </a:rPr>
+              <a:t>6</a:t>
+            </a:r>
+            <a:endParaRPr lang="ko-KR" altLang="en-US" sz="41300" dirty="0">
+              <a:solidFill>
+                <a:schemeClr val="accent2"/>
+              </a:solidFill>
+              <a:latin typeface="HY견고딕" panose="02030600000101010101" pitchFamily="18" charset="-127"/>
+              <a:ea typeface="HY견고딕" panose="02030600000101010101" pitchFamily="18" charset="-127"/>
+            </a:endParaRPr>
+          </a:p>
+        </p:txBody>
+      </p:sp>
+      <p:cxnSp>
+        <p:nvCxnSpPr>
+          <p:cNvPr id="5" name="직선 연결선 4"/>
+          <p:cNvCxnSpPr>
+            <a:cxnSpLocks/>
+          </p:cNvCxnSpPr>
+          <p:nvPr/>
+        </p:nvCxnSpPr>
+        <p:spPr>
+          <a:xfrm>
+            <a:off x="1528763" y="3625272"/>
+            <a:ext cx="5931202" cy="0"/>
+          </a:xfrm>
+          <a:prstGeom prst="line">
+            <a:avLst/>
+          </a:prstGeom>
+          <a:ln w="53975">
+            <a:solidFill>
+              <a:schemeClr val="tx1"/>
+            </a:solidFill>
+          </a:ln>
+        </p:spPr>
+        <p:style>
+          <a:lnRef idx="1">
+            <a:schemeClr val="accent1"/>
+          </a:lnRef>
+          <a:fillRef idx="0">
+            <a:schemeClr val="accent1"/>
+          </a:fillRef>
+          <a:effectRef idx="0">
+            <a:schemeClr val="accent1"/>
+          </a:effectRef>
+          <a:fontRef idx="minor">
+            <a:schemeClr val="tx1"/>
+          </a:fontRef>
+        </p:style>
+      </p:cxnSp>
+      <p:sp>
+        <p:nvSpPr>
+          <p:cNvPr id="10" name="TextBox 9"/>
+          <p:cNvSpPr txBox="1"/>
+          <p:nvPr/>
+        </p:nvSpPr>
+        <p:spPr>
+          <a:xfrm>
+            <a:off x="1770563" y="2805410"/>
+            <a:ext cx="5447601" cy="584775"/>
+          </a:xfrm>
+          <a:prstGeom prst="rect">
+            <a:avLst/>
+          </a:prstGeom>
+          <a:noFill/>
+        </p:spPr>
+        <p:txBody>
+          <a:bodyPr wrap="square" rtlCol="0">
+            <a:spAutoFit/>
+          </a:bodyPr>
+          <a:lstStyle/>
+          <a:p>
+            <a:pPr algn="ctr"/>
+            <a:r>
+              <a:rPr lang="en-US" altLang="ko-KR" sz="3200" b="1" dirty="0"/>
+              <a:t>6. </a:t>
+            </a:r>
+            <a:r>
+              <a:rPr lang="ko-KR" altLang="en-US" sz="3200" b="1" dirty="0"/>
+              <a:t>미분</a:t>
+            </a:r>
+            <a:r>
+              <a:rPr lang="en-US" altLang="ko-KR" sz="3200" b="1" dirty="0"/>
+              <a:t>  </a:t>
+            </a:r>
+            <a:endParaRPr lang="ko-KR" altLang="en-US" sz="3200" b="1" dirty="0"/>
+          </a:p>
+        </p:txBody>
+      </p:sp>
+    </p:spTree>
+    <p:extLst>
+      <p:ext uri="{BB962C8B-B14F-4D97-AF65-F5344CB8AC3E}">
+        <p14:creationId xmlns:p14="http://schemas.microsoft.com/office/powerpoint/2010/main" val="229886906"/>
+      </p:ext>
+    </p:extLst>
+  </p:cSld>
+  <p:clrMapOvr>
+    <a:masterClrMapping/>
+  </p:clrMapOvr>
+</p:sld>
+</file>
+
+<file path=ppt/slides/slide45.xml><?xml version="1.0" encoding="utf-8"?>
+<p:sld xmlns:a="http://schemas.openxmlformats.org/drawingml/2006/main" xmlns:r="http://schemas.openxmlformats.org/officeDocument/2006/relationships" xmlns:p="http://schemas.openxmlformats.org/presentationml/2006/main">
+  <p:cSld>
+    <p:spTree>
+      <p:nvGrpSpPr>
+        <p:cNvPr id="1" name=""/>
+        <p:cNvGrpSpPr/>
+        <p:nvPr/>
+      </p:nvGrpSpPr>
+      <p:grpSpPr>
+        <a:xfrm>
+          <a:off x="0" y="0"/>
+          <a:ext cx="0" cy="0"/>
+          <a:chOff x="0" y="0"/>
+          <a:chExt cx="0" cy="0"/>
+        </a:xfrm>
+      </p:grpSpPr>
+      <p:pic>
+        <p:nvPicPr>
+          <p:cNvPr id="25" name="그림 24"/>
+          <p:cNvPicPr>
+            <a:picLocks noChangeAspect="1"/>
+          </p:cNvPicPr>
+          <p:nvPr/>
+        </p:nvPicPr>
+        <p:blipFill>
+          <a:blip r:embed="rId3" cstate="print">
+            <a:duotone>
+              <a:schemeClr val="accent1">
+                <a:shade val="45000"/>
+                <a:satMod val="135000"/>
+              </a:schemeClr>
+              <a:prstClr val="white"/>
+            </a:duotone>
+            <a:extLst>
+              <a:ext uri="{28A0092B-C50C-407E-A947-70E740481C1C}">
+                <a14:useLocalDpi xmlns:a14="http://schemas.microsoft.com/office/drawing/2010/main" val="0"/>
+              </a:ext>
+            </a:extLst>
+          </a:blip>
+          <a:stretch>
+            <a:fillRect/>
+          </a:stretch>
+        </p:blipFill>
+        <p:spPr>
+          <a:xfrm>
+            <a:off x="0" y="5385569"/>
+            <a:ext cx="12192000" cy="1472431"/>
+          </a:xfrm>
+          <a:prstGeom prst="rect">
+            <a:avLst/>
+          </a:prstGeom>
+        </p:spPr>
+      </p:pic>
+      <p:sp>
+        <p:nvSpPr>
+          <p:cNvPr id="2" name="TextBox 1"/>
+          <p:cNvSpPr txBox="1"/>
+          <p:nvPr/>
+        </p:nvSpPr>
+        <p:spPr>
+          <a:xfrm>
+            <a:off x="1473199" y="375920"/>
+            <a:ext cx="9347200" cy="646331"/>
+          </a:xfrm>
+          <a:prstGeom prst="rect">
+            <a:avLst/>
+          </a:prstGeom>
+          <a:noFill/>
+        </p:spPr>
+        <p:txBody>
+          <a:bodyPr wrap="square" rtlCol="0">
+            <a:spAutoFit/>
+          </a:bodyPr>
+          <a:lstStyle/>
+          <a:p>
+            <a:pPr marL="0" marR="0" lvl="0" indent="0" algn="l" defTabSz="914400" rtl="0" eaLnBrk="1" fontAlgn="auto" latinLnBrk="1" hangingPunct="1">
+              <a:lnSpc>
+                <a:spcPct val="100000"/>
+              </a:lnSpc>
+              <a:spcBef>
+                <a:spcPts val="0"/>
+              </a:spcBef>
+              <a:spcAft>
+                <a:spcPts val="0"/>
+              </a:spcAft>
+              <a:buClrTx/>
+              <a:buSzTx/>
+              <a:buFontTx/>
+              <a:buNone/>
+              <a:tabLst/>
+              <a:defRPr/>
+            </a:pPr>
+            <a:r>
+              <a:rPr kumimoji="0" lang="ko-KR" altLang="en-US" sz="3600" b="0" i="0" u="none" strike="noStrike" kern="1200" cap="none" spc="0" normalizeH="0" baseline="0" noProof="0" dirty="0">
+                <a:ln>
+                  <a:noFill/>
+                </a:ln>
+                <a:solidFill>
+                  <a:prstClr val="white"/>
+                </a:solidFill>
+                <a:effectLst/>
+                <a:uLnTx/>
+                <a:uFillTx/>
+                <a:latin typeface="나눔바른고딕" panose="020B0603020101020101" pitchFamily="50" charset="-127"/>
+                <a:ea typeface="나눔바른고딕" panose="020B0603020101020101" pitchFamily="50" charset="-127"/>
+                <a:cs typeface="+mn-cs"/>
+              </a:rPr>
+              <a:t>미분에 대한 이해 </a:t>
+            </a:r>
+            <a:endParaRPr kumimoji="0" lang="ko-KR" altLang="en-US" sz="1800" b="0" i="0" u="none" strike="noStrike" kern="1200" cap="none" spc="0" normalizeH="0" baseline="0" noProof="0" dirty="0">
+              <a:ln>
+                <a:noFill/>
+              </a:ln>
+              <a:solidFill>
+                <a:prstClr val="white"/>
+              </a:solidFill>
+              <a:effectLst/>
+              <a:uLnTx/>
+              <a:uFillTx/>
+              <a:latin typeface="나눔바른고딕" panose="020B0603020101020101" pitchFamily="50" charset="-127"/>
+              <a:ea typeface="나눔바른고딕" panose="020B0603020101020101" pitchFamily="50" charset="-127"/>
+              <a:cs typeface="+mn-cs"/>
+            </a:endParaRPr>
+          </a:p>
+        </p:txBody>
+      </p:sp>
+      <p:grpSp>
+        <p:nvGrpSpPr>
+          <p:cNvPr id="24" name="그룹 23"/>
+          <p:cNvGrpSpPr/>
+          <p:nvPr/>
+        </p:nvGrpSpPr>
+        <p:grpSpPr>
+          <a:xfrm>
+            <a:off x="10971530" y="345440"/>
+            <a:ext cx="1332231" cy="863600"/>
+            <a:chOff x="10971530" y="345440"/>
+            <a:chExt cx="1332231" cy="863600"/>
+          </a:xfrm>
+        </p:grpSpPr>
+        <p:pic>
+          <p:nvPicPr>
+            <p:cNvPr id="22" name="그림 21"/>
+            <p:cNvPicPr>
+              <a:picLocks noChangeAspect="1"/>
+            </p:cNvPicPr>
+            <p:nvPr/>
+          </p:nvPicPr>
+          <p:blipFill>
+            <a:blip r:embed="rId4" cstate="print">
+              <a:extLst>
+                <a:ext uri="{28A0092B-C50C-407E-A947-70E740481C1C}">
+                  <a14:useLocalDpi xmlns:a14="http://schemas.microsoft.com/office/drawing/2010/main" val="0"/>
+                </a:ext>
+              </a:extLst>
+            </a:blip>
+            <a:stretch>
+              <a:fillRect/>
+            </a:stretch>
+          </p:blipFill>
+          <p:spPr>
+            <a:xfrm>
+              <a:off x="11008361" y="345440"/>
+              <a:ext cx="1295400" cy="863600"/>
+            </a:xfrm>
+            <a:prstGeom prst="rect">
+              <a:avLst/>
+            </a:prstGeom>
+            <a:effectLst>
+              <a:outerShdw sx="1000" sy="1000" algn="ctr" rotWithShape="0">
+                <a:srgbClr val="000000"/>
+              </a:outerShdw>
+              <a:reflection endPos="0" dir="5400000" sy="-100000" algn="bl" rotWithShape="0"/>
+            </a:effectLst>
+          </p:spPr>
+        </p:pic>
+        <p:sp>
+          <p:nvSpPr>
+            <p:cNvPr id="23" name="직사각형 22"/>
+            <p:cNvSpPr/>
+            <p:nvPr/>
+          </p:nvSpPr>
+          <p:spPr>
+            <a:xfrm>
+              <a:off x="10971530" y="375919"/>
+              <a:ext cx="1181100" cy="646331"/>
+            </a:xfrm>
+            <a:prstGeom prst="rect">
+              <a:avLst/>
+            </a:prstGeom>
+            <a:solidFill>
+              <a:schemeClr val="accent1">
+                <a:alpha val="50000"/>
+              </a:schemeClr>
+            </a:solidFill>
+            <a:ln>
+              <a:noFill/>
+            </a:ln>
+          </p:spPr>
+          <p:style>
+            <a:lnRef idx="2">
+              <a:schemeClr val="accent1">
+                <a:shade val="50000"/>
+              </a:schemeClr>
+            </a:lnRef>
+            <a:fillRef idx="1">
+              <a:schemeClr val="accent1"/>
+            </a:fillRef>
+            <a:effectRef idx="0">
+              <a:schemeClr val="accent1"/>
+            </a:effectRef>
+            <a:fontRef idx="minor">
+              <a:schemeClr val="lt1"/>
+            </a:fontRef>
+          </p:style>
+          <p:txBody>
+            <a:bodyPr rtlCol="0" anchor="ctr"/>
+            <a:lstStyle/>
+            <a:p>
+              <a:pPr marL="0" marR="0" lvl="0" indent="0" algn="ctr" defTabSz="914400" rtl="0" eaLnBrk="1" fontAlgn="auto" latinLnBrk="1" hangingPunct="1">
+                <a:lnSpc>
+                  <a:spcPct val="100000"/>
+                </a:lnSpc>
+                <a:spcBef>
+                  <a:spcPts val="0"/>
+                </a:spcBef>
+                <a:spcAft>
+                  <a:spcPts val="0"/>
+                </a:spcAft>
+                <a:buClrTx/>
+                <a:buSzTx/>
+                <a:buFontTx/>
+                <a:buNone/>
+                <a:tabLst/>
+                <a:defRPr/>
+              </a:pPr>
+              <a:endParaRPr kumimoji="0" lang="ko-KR" altLang="en-US" sz="1800" b="0" i="0" u="none" strike="noStrike" kern="1200" cap="none" spc="0" normalizeH="0" baseline="0" noProof="0">
+                <a:ln>
+                  <a:noFill/>
+                </a:ln>
+                <a:solidFill>
+                  <a:prstClr val="white"/>
+                </a:solidFill>
+                <a:effectLst/>
+                <a:uLnTx/>
+                <a:uFillTx/>
+                <a:latin typeface="나눔바른고딕 Light"/>
+                <a:ea typeface="맑은 고딕"/>
+                <a:cs typeface="+mn-cs"/>
+              </a:endParaRPr>
+            </a:p>
+          </p:txBody>
+        </p:sp>
+      </p:grpSp>
+      <p:sp>
+        <p:nvSpPr>
+          <p:cNvPr id="15" name="타원 14">
+            <a:extLst>
+              <a:ext uri="{FF2B5EF4-FFF2-40B4-BE49-F238E27FC236}">
+                <a16:creationId xmlns:a16="http://schemas.microsoft.com/office/drawing/2014/main" id="{AD8A4EEE-D3B4-4602-8D42-79A685238DDD}"/>
+              </a:ext>
+            </a:extLst>
+          </p:cNvPr>
+          <p:cNvSpPr/>
+          <p:nvPr/>
+        </p:nvSpPr>
+        <p:spPr>
+          <a:xfrm>
+            <a:off x="784743" y="1725919"/>
+            <a:ext cx="467360" cy="467360"/>
+          </a:xfrm>
+          <a:prstGeom prst="ellipse">
+            <a:avLst/>
+          </a:prstGeom>
+          <a:solidFill>
+            <a:schemeClr val="accent2"/>
+          </a:solidFill>
+          <a:ln>
+            <a:noFill/>
+          </a:ln>
+        </p:spPr>
+        <p:style>
+          <a:lnRef idx="2">
+            <a:schemeClr val="accent1">
+              <a:shade val="50000"/>
+            </a:schemeClr>
+          </a:lnRef>
+          <a:fillRef idx="1">
+            <a:schemeClr val="accent1"/>
+          </a:fillRef>
+          <a:effectRef idx="0">
+            <a:schemeClr val="accent1"/>
+          </a:effectRef>
+          <a:fontRef idx="minor">
+            <a:schemeClr val="lt1"/>
+          </a:fontRef>
+        </p:style>
+        <p:txBody>
+          <a:bodyPr rtlCol="0" anchor="ctr"/>
+          <a:lstStyle/>
+          <a:p>
+            <a:pPr marL="0" marR="0" lvl="0" indent="0" algn="ctr" defTabSz="914400" rtl="0" eaLnBrk="1" fontAlgn="auto" latinLnBrk="1" hangingPunct="1">
+              <a:lnSpc>
+                <a:spcPct val="100000"/>
+              </a:lnSpc>
+              <a:spcBef>
+                <a:spcPts val="0"/>
+              </a:spcBef>
+              <a:spcAft>
+                <a:spcPts val="0"/>
+              </a:spcAft>
+              <a:buClrTx/>
+              <a:buSzTx/>
+              <a:buFontTx/>
+              <a:buNone/>
+              <a:tabLst/>
+              <a:defRPr/>
+            </a:pPr>
+            <a:r>
+              <a:rPr lang="en-US" altLang="ko-KR" b="1" dirty="0">
+                <a:solidFill>
+                  <a:prstClr val="white"/>
+                </a:solidFill>
+                <a:latin typeface="나눔바른고딕 Light"/>
+                <a:ea typeface="맑은 고딕"/>
+              </a:rPr>
+              <a:t>1</a:t>
+            </a:r>
+            <a:endParaRPr kumimoji="0" lang="ko-KR" altLang="en-US" sz="1800" b="1" i="0" u="none" strike="noStrike" kern="1200" cap="none" spc="0" normalizeH="0" baseline="0" noProof="0" dirty="0">
+              <a:ln>
+                <a:noFill/>
+              </a:ln>
+              <a:solidFill>
+                <a:prstClr val="white"/>
+              </a:solidFill>
+              <a:effectLst/>
+              <a:uLnTx/>
+              <a:uFillTx/>
+              <a:latin typeface="나눔바른고딕 Light"/>
+              <a:ea typeface="맑은 고딕"/>
+              <a:cs typeface="+mn-cs"/>
+            </a:endParaRPr>
+          </a:p>
+        </p:txBody>
+      </p:sp>
+      <p:sp>
+        <p:nvSpPr>
+          <p:cNvPr id="16" name="TextBox 15">
+            <a:extLst>
+              <a:ext uri="{FF2B5EF4-FFF2-40B4-BE49-F238E27FC236}">
+                <a16:creationId xmlns:a16="http://schemas.microsoft.com/office/drawing/2014/main" id="{8E60A17A-118F-449A-8D6B-78D56063D9EB}"/>
+              </a:ext>
+            </a:extLst>
+          </p:cNvPr>
+          <p:cNvSpPr txBox="1"/>
+          <p:nvPr/>
+        </p:nvSpPr>
+        <p:spPr>
+          <a:xfrm>
+            <a:off x="1316658" y="1737309"/>
+            <a:ext cx="1665841" cy="461665"/>
+          </a:xfrm>
+          <a:prstGeom prst="rect">
+            <a:avLst/>
+          </a:prstGeom>
+          <a:noFill/>
+        </p:spPr>
+        <p:txBody>
+          <a:bodyPr wrap="none" rtlCol="0">
+            <a:spAutoFit/>
+          </a:bodyPr>
+          <a:lstStyle/>
+          <a:p>
+            <a:pPr marL="0" marR="0" lvl="0" indent="0" algn="l" defTabSz="914400" rtl="0" eaLnBrk="1" fontAlgn="auto" latinLnBrk="1" hangingPunct="1">
+              <a:lnSpc>
+                <a:spcPct val="100000"/>
+              </a:lnSpc>
+              <a:spcBef>
+                <a:spcPts val="0"/>
+              </a:spcBef>
+              <a:spcAft>
+                <a:spcPts val="0"/>
+              </a:spcAft>
+              <a:buClrTx/>
+              <a:buSzTx/>
+              <a:buFontTx/>
+              <a:buNone/>
+              <a:tabLst/>
+              <a:defRPr/>
+            </a:pPr>
+            <a:r>
+              <a:rPr kumimoji="0" lang="ko-KR" altLang="en-US" sz="2400" b="0" i="0" u="none" strike="noStrike" kern="1200" cap="none" spc="0" normalizeH="0" baseline="0" noProof="0" dirty="0">
+                <a:ln>
+                  <a:noFill/>
+                </a:ln>
+                <a:solidFill>
+                  <a:prstClr val="black"/>
+                </a:solidFill>
+                <a:effectLst/>
+                <a:uLnTx/>
+                <a:uFillTx/>
+                <a:latin typeface="나눔바른고딕 Light"/>
+                <a:ea typeface="맑은 고딕"/>
+                <a:cs typeface="+mn-cs"/>
+              </a:rPr>
+              <a:t>미분이란</a:t>
+            </a:r>
+            <a:r>
+              <a:rPr kumimoji="0" lang="en-US" altLang="ko-KR" sz="2400" b="0" i="0" u="none" strike="noStrike" kern="1200" cap="none" spc="0" normalizeH="0" baseline="0" noProof="0" dirty="0">
+                <a:ln>
+                  <a:noFill/>
+                </a:ln>
+                <a:solidFill>
+                  <a:prstClr val="black"/>
+                </a:solidFill>
+                <a:effectLst/>
+                <a:uLnTx/>
+                <a:uFillTx/>
+                <a:latin typeface="나눔바른고딕 Light"/>
+                <a:ea typeface="맑은 고딕"/>
+                <a:cs typeface="+mn-cs"/>
+              </a:rPr>
+              <a:t>?</a:t>
+            </a:r>
+            <a:r>
+              <a:rPr kumimoji="0" lang="ko-KR" altLang="en-US" sz="2400" b="0" i="0" u="none" strike="noStrike" kern="1200" cap="none" spc="0" normalizeH="0" baseline="0" noProof="0" dirty="0">
+                <a:ln>
+                  <a:noFill/>
+                </a:ln>
+                <a:solidFill>
+                  <a:prstClr val="black"/>
+                </a:solidFill>
+                <a:effectLst/>
+                <a:uLnTx/>
+                <a:uFillTx/>
+                <a:latin typeface="나눔바른고딕 Light"/>
+                <a:ea typeface="맑은 고딕"/>
+                <a:cs typeface="+mn-cs"/>
+              </a:rPr>
+              <a:t> </a:t>
+            </a:r>
+          </a:p>
+        </p:txBody>
+      </p:sp>
+      <p:sp>
+        <p:nvSpPr>
+          <p:cNvPr id="20" name="타원 19">
+            <a:extLst>
+              <a:ext uri="{FF2B5EF4-FFF2-40B4-BE49-F238E27FC236}">
+                <a16:creationId xmlns:a16="http://schemas.microsoft.com/office/drawing/2014/main" id="{C7411870-BB92-4164-B6F4-20EC075AC669}"/>
+              </a:ext>
+            </a:extLst>
+          </p:cNvPr>
+          <p:cNvSpPr/>
+          <p:nvPr/>
+        </p:nvSpPr>
+        <p:spPr>
+          <a:xfrm>
+            <a:off x="720188" y="4180278"/>
+            <a:ext cx="467360" cy="467360"/>
+          </a:xfrm>
+          <a:prstGeom prst="ellipse">
+            <a:avLst/>
+          </a:prstGeom>
+          <a:solidFill>
+            <a:schemeClr val="accent2"/>
+          </a:solidFill>
+          <a:ln>
+            <a:noFill/>
+          </a:ln>
+        </p:spPr>
+        <p:style>
+          <a:lnRef idx="2">
+            <a:schemeClr val="accent1">
+              <a:shade val="50000"/>
+            </a:schemeClr>
+          </a:lnRef>
+          <a:fillRef idx="1">
+            <a:schemeClr val="accent1"/>
+          </a:fillRef>
+          <a:effectRef idx="0">
+            <a:schemeClr val="accent1"/>
+          </a:effectRef>
+          <a:fontRef idx="minor">
+            <a:schemeClr val="lt1"/>
+          </a:fontRef>
+        </p:style>
+        <p:txBody>
+          <a:bodyPr rtlCol="0" anchor="ctr"/>
+          <a:lstStyle/>
+          <a:p>
+            <a:pPr marL="0" marR="0" lvl="0" indent="0" algn="ctr" defTabSz="914400" rtl="0" eaLnBrk="1" fontAlgn="auto" latinLnBrk="1" hangingPunct="1">
+              <a:lnSpc>
+                <a:spcPct val="100000"/>
+              </a:lnSpc>
+              <a:spcBef>
+                <a:spcPts val="0"/>
+              </a:spcBef>
+              <a:spcAft>
+                <a:spcPts val="0"/>
+              </a:spcAft>
+              <a:buClrTx/>
+              <a:buSzTx/>
+              <a:buFontTx/>
+              <a:buNone/>
+              <a:tabLst/>
+              <a:defRPr/>
+            </a:pPr>
+            <a:r>
+              <a:rPr kumimoji="0" lang="en-US" altLang="ko-KR" sz="1800" b="1" i="0" u="none" strike="noStrike" kern="1200" cap="none" spc="0" normalizeH="0" baseline="0" noProof="0" dirty="0">
+                <a:ln>
+                  <a:noFill/>
+                </a:ln>
+                <a:solidFill>
+                  <a:prstClr val="white"/>
+                </a:solidFill>
+                <a:effectLst/>
+                <a:uLnTx/>
+                <a:uFillTx/>
+                <a:latin typeface="나눔바른고딕 Light"/>
+                <a:ea typeface="맑은 고딕"/>
+                <a:cs typeface="+mn-cs"/>
+              </a:rPr>
+              <a:t>2</a:t>
+            </a:r>
+            <a:endParaRPr kumimoji="0" lang="ko-KR" altLang="en-US" sz="1800" b="1" i="0" u="none" strike="noStrike" kern="1200" cap="none" spc="0" normalizeH="0" baseline="0" noProof="0" dirty="0">
+              <a:ln>
+                <a:noFill/>
+              </a:ln>
+              <a:solidFill>
+                <a:prstClr val="white"/>
+              </a:solidFill>
+              <a:effectLst/>
+              <a:uLnTx/>
+              <a:uFillTx/>
+              <a:latin typeface="나눔바른고딕 Light"/>
+              <a:ea typeface="맑은 고딕"/>
+              <a:cs typeface="+mn-cs"/>
+            </a:endParaRPr>
+          </a:p>
+        </p:txBody>
+      </p:sp>
+      <p:sp>
+        <p:nvSpPr>
+          <p:cNvPr id="21" name="TextBox 20">
+            <a:extLst>
+              <a:ext uri="{FF2B5EF4-FFF2-40B4-BE49-F238E27FC236}">
+                <a16:creationId xmlns:a16="http://schemas.microsoft.com/office/drawing/2014/main" id="{63F93592-0AA8-4BB7-9DC0-227DCC98109D}"/>
+              </a:ext>
+            </a:extLst>
+          </p:cNvPr>
+          <p:cNvSpPr txBox="1"/>
+          <p:nvPr/>
+        </p:nvSpPr>
+        <p:spPr>
+          <a:xfrm>
+            <a:off x="1252103" y="4191668"/>
+            <a:ext cx="5654112" cy="461665"/>
+          </a:xfrm>
+          <a:prstGeom prst="rect">
+            <a:avLst/>
+          </a:prstGeom>
+          <a:noFill/>
+        </p:spPr>
+        <p:txBody>
+          <a:bodyPr wrap="none" rtlCol="0">
+            <a:spAutoFit/>
+          </a:bodyPr>
+          <a:lstStyle/>
+          <a:p>
+            <a:pPr marL="0" marR="0" lvl="0" indent="0" algn="l" defTabSz="914400" rtl="0" eaLnBrk="1" fontAlgn="auto" latinLnBrk="1" hangingPunct="1">
+              <a:lnSpc>
+                <a:spcPct val="100000"/>
+              </a:lnSpc>
+              <a:spcBef>
+                <a:spcPts val="0"/>
+              </a:spcBef>
+              <a:spcAft>
+                <a:spcPts val="0"/>
+              </a:spcAft>
+              <a:buClrTx/>
+              <a:buSzTx/>
+              <a:buFontTx/>
+              <a:buNone/>
+              <a:tabLst/>
+              <a:defRPr/>
+            </a:pPr>
+            <a:r>
+              <a:rPr lang="ko-KR" altLang="en-US" sz="2400" dirty="0">
+                <a:solidFill>
+                  <a:prstClr val="black"/>
+                </a:solidFill>
+                <a:latin typeface="나눔바른고딕 Light"/>
+                <a:ea typeface="맑은 고딕"/>
+              </a:rPr>
+              <a:t>운동의 변화를 설명하는 수학의 </a:t>
+            </a:r>
+            <a:r>
+              <a:rPr lang="ko-KR" altLang="en-US" sz="2400" dirty="0" err="1">
+                <a:solidFill>
+                  <a:prstClr val="black"/>
+                </a:solidFill>
+                <a:latin typeface="나눔바른고딕 Light"/>
+                <a:ea typeface="맑은 고딕"/>
+              </a:rPr>
+              <a:t>한분야</a:t>
+            </a:r>
+            <a:r>
+              <a:rPr kumimoji="0" lang="ko-KR" altLang="en-US" sz="2400" b="0" i="0" u="none" strike="noStrike" kern="1200" cap="none" spc="0" normalizeH="0" baseline="0" noProof="0" dirty="0">
+                <a:ln>
+                  <a:noFill/>
+                </a:ln>
+                <a:solidFill>
+                  <a:prstClr val="black"/>
+                </a:solidFill>
+                <a:effectLst/>
+                <a:uLnTx/>
+                <a:uFillTx/>
+                <a:latin typeface="나눔바른고딕 Light"/>
+                <a:ea typeface="맑은 고딕"/>
+                <a:cs typeface="+mn-cs"/>
+              </a:rPr>
+              <a:t> </a:t>
+            </a:r>
+          </a:p>
+        </p:txBody>
+      </p:sp>
+      <p:sp>
+        <p:nvSpPr>
+          <p:cNvPr id="28" name="모서리가 둥근 직사각형 12">
+            <a:extLst>
+              <a:ext uri="{FF2B5EF4-FFF2-40B4-BE49-F238E27FC236}">
+                <a16:creationId xmlns:a16="http://schemas.microsoft.com/office/drawing/2014/main" id="{A68A132B-3CF2-45FD-BF57-C9DA6C992685}"/>
+              </a:ext>
+            </a:extLst>
+          </p:cNvPr>
+          <p:cNvSpPr/>
+          <p:nvPr/>
+        </p:nvSpPr>
+        <p:spPr>
+          <a:xfrm>
+            <a:off x="818324" y="5087260"/>
+            <a:ext cx="4652134" cy="1199258"/>
+          </a:xfrm>
+          <a:prstGeom prst="roundRect">
+            <a:avLst/>
+          </a:prstGeom>
+          <a:solidFill>
+            <a:srgbClr val="93C9D4"/>
+          </a:solidFill>
+          <a:ln w="19050" cmpd="sng">
+            <a:noFill/>
+            <a:prstDash val="dash"/>
+          </a:ln>
+        </p:spPr>
+        <p:style>
+          <a:lnRef idx="2">
+            <a:schemeClr val="accent1">
+              <a:shade val="50000"/>
+            </a:schemeClr>
+          </a:lnRef>
+          <a:fillRef idx="1">
+            <a:schemeClr val="accent1"/>
+          </a:fillRef>
+          <a:effectRef idx="0">
+            <a:schemeClr val="accent1"/>
+          </a:effectRef>
+          <a:fontRef idx="minor">
+            <a:schemeClr val="lt1"/>
+          </a:fontRef>
+        </p:style>
+        <p:txBody>
+          <a:bodyPr rtlCol="0" anchor="ctr"/>
+          <a:lstStyle/>
+          <a:p>
+            <a:pPr marL="0" marR="0" lvl="0" indent="0" algn="ctr" defTabSz="914400" rtl="0" eaLnBrk="1" fontAlgn="auto" latinLnBrk="1" hangingPunct="1">
+              <a:lnSpc>
+                <a:spcPct val="100000"/>
+              </a:lnSpc>
+              <a:spcBef>
+                <a:spcPts val="0"/>
+              </a:spcBef>
+              <a:spcAft>
+                <a:spcPts val="0"/>
+              </a:spcAft>
+              <a:buClrTx/>
+              <a:buSzTx/>
+              <a:buFontTx/>
+              <a:buNone/>
+              <a:tabLst/>
+              <a:defRPr/>
+            </a:pPr>
+            <a:endParaRPr kumimoji="0" lang="ko-KR" altLang="en-US" sz="1800" b="0" i="0" u="none" strike="noStrike" kern="1200" cap="none" spc="0" normalizeH="0" baseline="0" noProof="0">
+              <a:ln>
+                <a:noFill/>
+              </a:ln>
+              <a:solidFill>
+                <a:prstClr val="white"/>
+              </a:solidFill>
+              <a:effectLst/>
+              <a:uLnTx/>
+              <a:uFillTx/>
+              <a:latin typeface="나눔바른고딕 Light"/>
+              <a:ea typeface="맑은 고딕"/>
+              <a:cs typeface="+mn-cs"/>
+            </a:endParaRPr>
+          </a:p>
+        </p:txBody>
+      </p:sp>
+      <p:sp>
+        <p:nvSpPr>
+          <p:cNvPr id="29" name="모서리가 둥근 직사각형 7">
+            <a:extLst>
+              <a:ext uri="{FF2B5EF4-FFF2-40B4-BE49-F238E27FC236}">
+                <a16:creationId xmlns:a16="http://schemas.microsoft.com/office/drawing/2014/main" id="{87570F26-78F8-452F-A681-7CE468A2508D}"/>
+              </a:ext>
+            </a:extLst>
+          </p:cNvPr>
+          <p:cNvSpPr/>
+          <p:nvPr/>
+        </p:nvSpPr>
+        <p:spPr>
+          <a:xfrm>
+            <a:off x="720188" y="5021166"/>
+            <a:ext cx="4630728" cy="1194130"/>
+          </a:xfrm>
+          <a:prstGeom prst="roundRect">
+            <a:avLst/>
+          </a:prstGeom>
+          <a:solidFill>
+            <a:schemeClr val="bg1"/>
+          </a:solidFill>
+          <a:ln w="19050" cmpd="sng">
+            <a:prstDash val="dash"/>
+          </a:ln>
+        </p:spPr>
+        <p:style>
+          <a:lnRef idx="2">
+            <a:schemeClr val="accent1">
+              <a:shade val="50000"/>
+            </a:schemeClr>
+          </a:lnRef>
+          <a:fillRef idx="1">
+            <a:schemeClr val="accent1"/>
+          </a:fillRef>
+          <a:effectRef idx="0">
+            <a:schemeClr val="accent1"/>
+          </a:effectRef>
+          <a:fontRef idx="minor">
+            <a:schemeClr val="lt1"/>
+          </a:fontRef>
+        </p:style>
+        <p:txBody>
+          <a:bodyPr rtlCol="0" anchor="ctr"/>
+          <a:lstStyle/>
+          <a:p>
+            <a:pPr lvl="0"/>
+            <a:br>
+              <a:rPr lang="ko-KR" altLang="en-US" dirty="0">
+                <a:solidFill>
+                  <a:schemeClr val="tx1"/>
+                </a:solidFill>
+              </a:rPr>
+            </a:br>
+            <a:endParaRPr kumimoji="0" lang="en-US" altLang="ko-KR" sz="1800" b="0" i="0" u="none" strike="noStrike" kern="1200" cap="none" spc="0" normalizeH="0" baseline="0" noProof="0" dirty="0">
+              <a:ln>
+                <a:noFill/>
+              </a:ln>
+              <a:solidFill>
+                <a:schemeClr val="tx1"/>
+              </a:solidFill>
+              <a:effectLst/>
+              <a:uLnTx/>
+              <a:uFillTx/>
+              <a:ea typeface="맑은 고딕"/>
+            </a:endParaRPr>
+          </a:p>
+        </p:txBody>
+      </p:sp>
+      <p:sp>
+        <p:nvSpPr>
+          <p:cNvPr id="30" name="TextBox 29">
+            <a:extLst>
+              <a:ext uri="{FF2B5EF4-FFF2-40B4-BE49-F238E27FC236}">
+                <a16:creationId xmlns:a16="http://schemas.microsoft.com/office/drawing/2014/main" id="{65362D94-70A7-49EF-852E-DE0CBBED5FE4}"/>
+              </a:ext>
+            </a:extLst>
+          </p:cNvPr>
+          <p:cNvSpPr txBox="1"/>
+          <p:nvPr/>
+        </p:nvSpPr>
+        <p:spPr>
+          <a:xfrm>
+            <a:off x="1003401" y="5224717"/>
+            <a:ext cx="4357291" cy="369332"/>
+          </a:xfrm>
+          <a:prstGeom prst="rect">
+            <a:avLst/>
+          </a:prstGeom>
+          <a:noFill/>
+        </p:spPr>
+        <p:txBody>
+          <a:bodyPr wrap="square">
+            <a:spAutoFit/>
+          </a:bodyPr>
+          <a:lstStyle/>
+          <a:p>
+            <a:pPr algn="l" fontAlgn="base"/>
+            <a:r>
+              <a:rPr lang="ko-KR" altLang="en-US" b="0" i="0">
+                <a:solidFill>
+                  <a:srgbClr val="555555"/>
+                </a:solidFill>
+                <a:effectLst/>
+                <a:latin typeface="AppleSDGothicNeo"/>
+              </a:rPr>
+              <a:t>변화를 세밀하게 관찰하는데  중요한 역할</a:t>
+            </a:r>
+            <a:endParaRPr lang="ko-KR" altLang="en-US" b="0" i="0" dirty="0">
+              <a:solidFill>
+                <a:srgbClr val="555555"/>
+              </a:solidFill>
+              <a:effectLst/>
+              <a:latin typeface="AppleSDGothicNeo"/>
+            </a:endParaRPr>
+          </a:p>
+        </p:txBody>
+      </p:sp>
+      <p:sp>
+        <p:nvSpPr>
+          <p:cNvPr id="31" name="모서리가 둥근 직사각형 12">
+            <a:extLst>
+              <a:ext uri="{FF2B5EF4-FFF2-40B4-BE49-F238E27FC236}">
+                <a16:creationId xmlns:a16="http://schemas.microsoft.com/office/drawing/2014/main" id="{8037EC0D-3FEE-4EDD-8143-D1354AF6816B}"/>
+              </a:ext>
+            </a:extLst>
+          </p:cNvPr>
+          <p:cNvSpPr/>
+          <p:nvPr/>
+        </p:nvSpPr>
+        <p:spPr>
+          <a:xfrm>
+            <a:off x="818734" y="2595720"/>
+            <a:ext cx="4473774" cy="1199258"/>
+          </a:xfrm>
+          <a:prstGeom prst="roundRect">
+            <a:avLst/>
+          </a:prstGeom>
+          <a:solidFill>
+            <a:srgbClr val="93C9D4"/>
+          </a:solidFill>
+          <a:ln w="19050" cmpd="sng">
+            <a:noFill/>
+            <a:prstDash val="dash"/>
+          </a:ln>
+        </p:spPr>
+        <p:style>
+          <a:lnRef idx="2">
+            <a:schemeClr val="accent1">
+              <a:shade val="50000"/>
+            </a:schemeClr>
+          </a:lnRef>
+          <a:fillRef idx="1">
+            <a:schemeClr val="accent1"/>
+          </a:fillRef>
+          <a:effectRef idx="0">
+            <a:schemeClr val="accent1"/>
+          </a:effectRef>
+          <a:fontRef idx="minor">
+            <a:schemeClr val="lt1"/>
+          </a:fontRef>
+        </p:style>
+        <p:txBody>
+          <a:bodyPr rtlCol="0" anchor="ctr"/>
+          <a:lstStyle/>
+          <a:p>
+            <a:pPr marL="0" marR="0" lvl="0" indent="0" algn="ctr" defTabSz="914400" rtl="0" eaLnBrk="1" fontAlgn="auto" latinLnBrk="1" hangingPunct="1">
+              <a:lnSpc>
+                <a:spcPct val="100000"/>
+              </a:lnSpc>
+              <a:spcBef>
+                <a:spcPts val="0"/>
+              </a:spcBef>
+              <a:spcAft>
+                <a:spcPts val="0"/>
+              </a:spcAft>
+              <a:buClrTx/>
+              <a:buSzTx/>
+              <a:buFontTx/>
+              <a:buNone/>
+              <a:tabLst/>
+              <a:defRPr/>
+            </a:pPr>
+            <a:endParaRPr kumimoji="0" lang="ko-KR" altLang="en-US" sz="1800" b="0" i="0" u="none" strike="noStrike" kern="1200" cap="none" spc="0" normalizeH="0" baseline="0" noProof="0">
+              <a:ln>
+                <a:noFill/>
+              </a:ln>
+              <a:solidFill>
+                <a:prstClr val="white"/>
+              </a:solidFill>
+              <a:effectLst/>
+              <a:uLnTx/>
+              <a:uFillTx/>
+              <a:latin typeface="나눔바른고딕 Light"/>
+              <a:ea typeface="맑은 고딕"/>
+              <a:cs typeface="+mn-cs"/>
+            </a:endParaRPr>
+          </a:p>
+        </p:txBody>
+      </p:sp>
+      <p:sp>
+        <p:nvSpPr>
+          <p:cNvPr id="32" name="모서리가 둥근 직사각형 7">
+            <a:extLst>
+              <a:ext uri="{FF2B5EF4-FFF2-40B4-BE49-F238E27FC236}">
+                <a16:creationId xmlns:a16="http://schemas.microsoft.com/office/drawing/2014/main" id="{208C410A-72C6-40D9-A259-C203A9FF4C7B}"/>
+              </a:ext>
+            </a:extLst>
+          </p:cNvPr>
+          <p:cNvSpPr/>
+          <p:nvPr/>
+        </p:nvSpPr>
+        <p:spPr>
+          <a:xfrm>
+            <a:off x="720188" y="2529626"/>
+            <a:ext cx="4453188" cy="1194130"/>
+          </a:xfrm>
+          <a:prstGeom prst="roundRect">
+            <a:avLst/>
+          </a:prstGeom>
+          <a:solidFill>
+            <a:schemeClr val="bg1"/>
+          </a:solidFill>
+          <a:ln w="19050" cmpd="sng">
+            <a:prstDash val="dash"/>
+          </a:ln>
+        </p:spPr>
+        <p:style>
+          <a:lnRef idx="2">
+            <a:schemeClr val="accent1">
+              <a:shade val="50000"/>
+            </a:schemeClr>
+          </a:lnRef>
+          <a:fillRef idx="1">
+            <a:schemeClr val="accent1"/>
+          </a:fillRef>
+          <a:effectRef idx="0">
+            <a:schemeClr val="accent1"/>
+          </a:effectRef>
+          <a:fontRef idx="minor">
+            <a:schemeClr val="lt1"/>
+          </a:fontRef>
+        </p:style>
+        <p:txBody>
+          <a:bodyPr rtlCol="0" anchor="ctr"/>
+          <a:lstStyle/>
+          <a:p>
+            <a:pPr lvl="0"/>
+            <a:br>
+              <a:rPr lang="ko-KR" altLang="en-US" dirty="0">
+                <a:solidFill>
+                  <a:schemeClr val="tx1"/>
+                </a:solidFill>
+              </a:rPr>
+            </a:br>
+            <a:endParaRPr kumimoji="0" lang="en-US" altLang="ko-KR" sz="1800" b="0" i="0" u="none" strike="noStrike" kern="1200" cap="none" spc="0" normalizeH="0" baseline="0" noProof="0" dirty="0">
+              <a:ln>
+                <a:noFill/>
+              </a:ln>
+              <a:solidFill>
+                <a:schemeClr val="tx1"/>
+              </a:solidFill>
+              <a:effectLst/>
+              <a:uLnTx/>
+              <a:uFillTx/>
+              <a:ea typeface="맑은 고딕"/>
+            </a:endParaRPr>
+          </a:p>
+        </p:txBody>
+      </p:sp>
+      <p:sp>
+        <p:nvSpPr>
+          <p:cNvPr id="33" name="TextBox 32">
+            <a:extLst>
+              <a:ext uri="{FF2B5EF4-FFF2-40B4-BE49-F238E27FC236}">
+                <a16:creationId xmlns:a16="http://schemas.microsoft.com/office/drawing/2014/main" id="{85D75D8D-059C-489F-8DDE-08F7E8D3321E}"/>
+              </a:ext>
+            </a:extLst>
+          </p:cNvPr>
+          <p:cNvSpPr txBox="1"/>
+          <p:nvPr/>
+        </p:nvSpPr>
+        <p:spPr>
+          <a:xfrm>
+            <a:off x="1124098" y="2900772"/>
+            <a:ext cx="3863045" cy="369332"/>
+          </a:xfrm>
+          <a:prstGeom prst="rect">
+            <a:avLst/>
+          </a:prstGeom>
+          <a:noFill/>
+        </p:spPr>
+        <p:txBody>
+          <a:bodyPr wrap="square">
+            <a:spAutoFit/>
+          </a:bodyPr>
+          <a:lstStyle/>
+          <a:p>
+            <a:pPr algn="l" fontAlgn="base"/>
+            <a:r>
+              <a:rPr lang="ko-KR" altLang="en-US" b="0" i="0" dirty="0">
+                <a:solidFill>
+                  <a:srgbClr val="555555"/>
+                </a:solidFill>
+                <a:effectLst/>
+                <a:latin typeface="AppleSDGothicNeo"/>
+              </a:rPr>
+              <a:t>순간의 변화를 예측하는 수학적 도구</a:t>
+            </a:r>
+          </a:p>
+        </p:txBody>
+      </p:sp>
+      <p:sp>
+        <p:nvSpPr>
+          <p:cNvPr id="34" name="TextBox 33">
+            <a:extLst>
+              <a:ext uri="{FF2B5EF4-FFF2-40B4-BE49-F238E27FC236}">
+                <a16:creationId xmlns:a16="http://schemas.microsoft.com/office/drawing/2014/main" id="{DA61B0CC-20D2-4DB7-ADA8-F76760C22053}"/>
+              </a:ext>
+            </a:extLst>
+          </p:cNvPr>
+          <p:cNvSpPr txBox="1"/>
+          <p:nvPr/>
+        </p:nvSpPr>
+        <p:spPr>
+          <a:xfrm>
+            <a:off x="1494235" y="5665271"/>
+            <a:ext cx="3209372" cy="369332"/>
+          </a:xfrm>
+          <a:prstGeom prst="rect">
+            <a:avLst/>
+          </a:prstGeom>
+          <a:noFill/>
+        </p:spPr>
+        <p:txBody>
+          <a:bodyPr wrap="square">
+            <a:spAutoFit/>
+          </a:bodyPr>
+          <a:lstStyle/>
+          <a:p>
+            <a:pPr algn="l" fontAlgn="base"/>
+            <a:r>
+              <a:rPr lang="ko-KR" altLang="en-US" dirty="0">
+                <a:solidFill>
+                  <a:srgbClr val="555555"/>
+                </a:solidFill>
+                <a:latin typeface="AppleSDGothicNeo"/>
+              </a:rPr>
+              <a:t>몸무게 신발사이즈 </a:t>
+            </a:r>
+            <a:r>
+              <a:rPr lang="en-US" altLang="ko-KR" dirty="0">
+                <a:solidFill>
+                  <a:srgbClr val="555555"/>
+                </a:solidFill>
+                <a:latin typeface="AppleSDGothicNeo"/>
+              </a:rPr>
+              <a:t>.. </a:t>
+            </a:r>
+            <a:r>
+              <a:rPr lang="ko-KR" altLang="en-US" dirty="0">
+                <a:solidFill>
+                  <a:srgbClr val="555555"/>
+                </a:solidFill>
+                <a:latin typeface="AppleSDGothicNeo"/>
+              </a:rPr>
+              <a:t>등등</a:t>
+            </a:r>
+            <a:endParaRPr lang="ko-KR" altLang="en-US" b="0" i="0" dirty="0">
+              <a:solidFill>
+                <a:srgbClr val="555555"/>
+              </a:solidFill>
+              <a:effectLst/>
+              <a:latin typeface="AppleSDGothicNeo"/>
+            </a:endParaRPr>
+          </a:p>
+        </p:txBody>
+      </p:sp>
+      <p:sp>
+        <p:nvSpPr>
+          <p:cNvPr id="26" name="모서리가 둥근 직사각형 12">
+            <a:extLst>
+              <a:ext uri="{FF2B5EF4-FFF2-40B4-BE49-F238E27FC236}">
+                <a16:creationId xmlns:a16="http://schemas.microsoft.com/office/drawing/2014/main" id="{76A45065-D75E-4BA4-B7EB-203CE35A2C4B}"/>
+              </a:ext>
+            </a:extLst>
+          </p:cNvPr>
+          <p:cNvSpPr/>
+          <p:nvPr/>
+        </p:nvSpPr>
+        <p:spPr>
+          <a:xfrm>
+            <a:off x="7117170" y="3407785"/>
+            <a:ext cx="4473774" cy="1199258"/>
+          </a:xfrm>
+          <a:prstGeom prst="roundRect">
+            <a:avLst/>
+          </a:prstGeom>
+          <a:solidFill>
+            <a:srgbClr val="93C9D4"/>
+          </a:solidFill>
+          <a:ln w="19050" cmpd="sng">
+            <a:noFill/>
+            <a:prstDash val="dash"/>
+          </a:ln>
+        </p:spPr>
+        <p:style>
+          <a:lnRef idx="2">
+            <a:schemeClr val="accent1">
+              <a:shade val="50000"/>
+            </a:schemeClr>
+          </a:lnRef>
+          <a:fillRef idx="1">
+            <a:schemeClr val="accent1"/>
+          </a:fillRef>
+          <a:effectRef idx="0">
+            <a:schemeClr val="accent1"/>
+          </a:effectRef>
+          <a:fontRef idx="minor">
+            <a:schemeClr val="lt1"/>
+          </a:fontRef>
+        </p:style>
+        <p:txBody>
+          <a:bodyPr rtlCol="0" anchor="ctr"/>
+          <a:lstStyle/>
+          <a:p>
+            <a:pPr marL="0" marR="0" lvl="0" indent="0" algn="ctr" defTabSz="914400" rtl="0" eaLnBrk="1" fontAlgn="auto" latinLnBrk="1" hangingPunct="1">
+              <a:lnSpc>
+                <a:spcPct val="100000"/>
+              </a:lnSpc>
+              <a:spcBef>
+                <a:spcPts val="0"/>
+              </a:spcBef>
+              <a:spcAft>
+                <a:spcPts val="0"/>
+              </a:spcAft>
+              <a:buClrTx/>
+              <a:buSzTx/>
+              <a:buFontTx/>
+              <a:buNone/>
+              <a:tabLst/>
+              <a:defRPr/>
+            </a:pPr>
+            <a:endParaRPr kumimoji="0" lang="ko-KR" altLang="en-US" sz="1800" b="0" i="0" u="none" strike="noStrike" kern="1200" cap="none" spc="0" normalizeH="0" baseline="0" noProof="0">
+              <a:ln>
+                <a:noFill/>
+              </a:ln>
+              <a:solidFill>
+                <a:prstClr val="white"/>
+              </a:solidFill>
+              <a:effectLst/>
+              <a:uLnTx/>
+              <a:uFillTx/>
+              <a:latin typeface="나눔바른고딕 Light"/>
+              <a:ea typeface="맑은 고딕"/>
+              <a:cs typeface="+mn-cs"/>
+            </a:endParaRPr>
+          </a:p>
+        </p:txBody>
+      </p:sp>
+      <p:sp>
+        <p:nvSpPr>
+          <p:cNvPr id="27" name="모서리가 둥근 직사각형 7">
+            <a:extLst>
+              <a:ext uri="{FF2B5EF4-FFF2-40B4-BE49-F238E27FC236}">
+                <a16:creationId xmlns:a16="http://schemas.microsoft.com/office/drawing/2014/main" id="{91CDECE6-60F1-40CF-ADF0-6A3F7FB70AD8}"/>
+              </a:ext>
+            </a:extLst>
+          </p:cNvPr>
+          <p:cNvSpPr/>
+          <p:nvPr/>
+        </p:nvSpPr>
+        <p:spPr>
+          <a:xfrm>
+            <a:off x="7018624" y="3341691"/>
+            <a:ext cx="4453188" cy="1194130"/>
+          </a:xfrm>
+          <a:prstGeom prst="roundRect">
+            <a:avLst/>
+          </a:prstGeom>
+          <a:solidFill>
+            <a:schemeClr val="bg1"/>
+          </a:solidFill>
+          <a:ln w="19050" cmpd="sng">
+            <a:prstDash val="dash"/>
+          </a:ln>
+        </p:spPr>
+        <p:style>
+          <a:lnRef idx="2">
+            <a:schemeClr val="accent1">
+              <a:shade val="50000"/>
+            </a:schemeClr>
+          </a:lnRef>
+          <a:fillRef idx="1">
+            <a:schemeClr val="accent1"/>
+          </a:fillRef>
+          <a:effectRef idx="0">
+            <a:schemeClr val="accent1"/>
+          </a:effectRef>
+          <a:fontRef idx="minor">
+            <a:schemeClr val="lt1"/>
+          </a:fontRef>
+        </p:style>
+        <p:txBody>
+          <a:bodyPr rtlCol="0" anchor="ctr"/>
+          <a:lstStyle/>
+          <a:p>
+            <a:pPr lvl="0"/>
+            <a:br>
+              <a:rPr lang="ko-KR" altLang="en-US" dirty="0">
+                <a:solidFill>
+                  <a:schemeClr val="tx1"/>
+                </a:solidFill>
+              </a:rPr>
+            </a:br>
+            <a:endParaRPr kumimoji="0" lang="en-US" altLang="ko-KR" sz="1800" b="0" i="0" u="none" strike="noStrike" kern="1200" cap="none" spc="0" normalizeH="0" baseline="0" noProof="0" dirty="0">
+              <a:ln>
+                <a:noFill/>
+              </a:ln>
+              <a:solidFill>
+                <a:schemeClr val="tx1"/>
+              </a:solidFill>
+              <a:effectLst/>
+              <a:uLnTx/>
+              <a:uFillTx/>
+              <a:ea typeface="맑은 고딕"/>
+            </a:endParaRPr>
+          </a:p>
+        </p:txBody>
+      </p:sp>
+      <p:sp>
+        <p:nvSpPr>
+          <p:cNvPr id="35" name="TextBox 34">
+            <a:extLst>
+              <a:ext uri="{FF2B5EF4-FFF2-40B4-BE49-F238E27FC236}">
+                <a16:creationId xmlns:a16="http://schemas.microsoft.com/office/drawing/2014/main" id="{67FE84AF-480A-4C0F-88A7-18F9C92DAEBA}"/>
+              </a:ext>
+            </a:extLst>
+          </p:cNvPr>
+          <p:cNvSpPr txBox="1"/>
+          <p:nvPr/>
+        </p:nvSpPr>
+        <p:spPr>
+          <a:xfrm>
+            <a:off x="7323989" y="3601936"/>
+            <a:ext cx="3863045" cy="646331"/>
+          </a:xfrm>
+          <a:prstGeom prst="rect">
+            <a:avLst/>
+          </a:prstGeom>
+          <a:noFill/>
+        </p:spPr>
+        <p:txBody>
+          <a:bodyPr wrap="square">
+            <a:spAutoFit/>
+          </a:bodyPr>
+          <a:lstStyle/>
+          <a:p>
+            <a:pPr algn="l" fontAlgn="base"/>
+            <a:r>
+              <a:rPr lang="ko-KR" altLang="en-US" b="0" i="0" dirty="0">
+                <a:solidFill>
+                  <a:srgbClr val="FF0000"/>
+                </a:solidFill>
+                <a:effectLst/>
+                <a:latin typeface="굴림" panose="020B0600000101010101" pitchFamily="50" charset="-127"/>
+                <a:ea typeface="굴림" panose="020B0600000101010101" pitchFamily="50" charset="-127"/>
+              </a:rPr>
+              <a:t>변하는 모든 것에 미분이 있고 더하는 모든 것에 적분이 있다</a:t>
+            </a:r>
+            <a:endParaRPr lang="ko-KR" altLang="en-US" b="0" i="0" dirty="0">
+              <a:solidFill>
+                <a:srgbClr val="FF0000"/>
+              </a:solidFill>
+              <a:effectLst/>
+              <a:latin typeface="AppleSDGothicNeo"/>
+            </a:endParaRPr>
+          </a:p>
+        </p:txBody>
+      </p:sp>
+    </p:spTree>
+    <p:extLst>
+      <p:ext uri="{BB962C8B-B14F-4D97-AF65-F5344CB8AC3E}">
+        <p14:creationId xmlns:p14="http://schemas.microsoft.com/office/powerpoint/2010/main" val="1065812543"/>
+      </p:ext>
+    </p:extLst>
+  </p:cSld>
+  <p:clrMapOvr>
+    <a:masterClrMapping/>
+  </p:clrMapOvr>
+</p:sld>
+</file>
+
+<file path=ppt/slides/slide46.xml><?xml version="1.0" encoding="utf-8"?>
+<p:sld xmlns:a="http://schemas.openxmlformats.org/drawingml/2006/main" xmlns:r="http://schemas.openxmlformats.org/officeDocument/2006/relationships" xmlns:p="http://schemas.openxmlformats.org/presentationml/2006/main">
+  <p:cSld>
+    <p:spTree>
+      <p:nvGrpSpPr>
+        <p:cNvPr id="1" name=""/>
+        <p:cNvGrpSpPr/>
+        <p:nvPr/>
+      </p:nvGrpSpPr>
+      <p:grpSpPr>
+        <a:xfrm>
+          <a:off x="0" y="0"/>
+          <a:ext cx="0" cy="0"/>
+          <a:chOff x="0" y="0"/>
+          <a:chExt cx="0" cy="0"/>
+        </a:xfrm>
+      </p:grpSpPr>
+      <p:pic>
+        <p:nvPicPr>
+          <p:cNvPr id="25" name="그림 24"/>
+          <p:cNvPicPr>
+            <a:picLocks noChangeAspect="1"/>
+          </p:cNvPicPr>
+          <p:nvPr/>
+        </p:nvPicPr>
+        <p:blipFill>
+          <a:blip r:embed="rId3" cstate="print">
+            <a:duotone>
+              <a:schemeClr val="accent1">
+                <a:shade val="45000"/>
+                <a:satMod val="135000"/>
+              </a:schemeClr>
+              <a:prstClr val="white"/>
+            </a:duotone>
+            <a:extLst>
+              <a:ext uri="{28A0092B-C50C-407E-A947-70E740481C1C}">
+                <a14:useLocalDpi xmlns:a14="http://schemas.microsoft.com/office/drawing/2010/main" val="0"/>
+              </a:ext>
+            </a:extLst>
+          </a:blip>
+          <a:stretch>
+            <a:fillRect/>
+          </a:stretch>
+        </p:blipFill>
+        <p:spPr>
+          <a:xfrm>
+            <a:off x="0" y="5385569"/>
+            <a:ext cx="12192000" cy="1472431"/>
+          </a:xfrm>
+          <a:prstGeom prst="rect">
+            <a:avLst/>
+          </a:prstGeom>
+        </p:spPr>
+      </p:pic>
+      <p:sp>
+        <p:nvSpPr>
+          <p:cNvPr id="2" name="TextBox 1"/>
+          <p:cNvSpPr txBox="1"/>
+          <p:nvPr/>
+        </p:nvSpPr>
+        <p:spPr>
+          <a:xfrm>
+            <a:off x="1473199" y="375920"/>
+            <a:ext cx="9347200" cy="646331"/>
+          </a:xfrm>
+          <a:prstGeom prst="rect">
+            <a:avLst/>
+          </a:prstGeom>
+          <a:noFill/>
+        </p:spPr>
+        <p:txBody>
+          <a:bodyPr wrap="square" rtlCol="0">
+            <a:spAutoFit/>
+          </a:bodyPr>
+          <a:lstStyle/>
+          <a:p>
+            <a:pPr marL="0" marR="0" lvl="0" indent="0" algn="l" defTabSz="914400" rtl="0" eaLnBrk="1" fontAlgn="auto" latinLnBrk="1" hangingPunct="1">
+              <a:lnSpc>
+                <a:spcPct val="100000"/>
+              </a:lnSpc>
+              <a:spcBef>
+                <a:spcPts val="0"/>
+              </a:spcBef>
+              <a:spcAft>
+                <a:spcPts val="0"/>
+              </a:spcAft>
+              <a:buClrTx/>
+              <a:buSzTx/>
+              <a:buFontTx/>
+              <a:buNone/>
+              <a:tabLst/>
+              <a:defRPr/>
+            </a:pPr>
+            <a:r>
+              <a:rPr kumimoji="0" lang="ko-KR" altLang="en-US" sz="3600" b="0" i="0" u="none" strike="noStrike" kern="1200" cap="none" spc="0" normalizeH="0" baseline="0" noProof="0" dirty="0">
+                <a:ln>
+                  <a:noFill/>
+                </a:ln>
+                <a:solidFill>
+                  <a:prstClr val="white"/>
+                </a:solidFill>
+                <a:effectLst/>
+                <a:uLnTx/>
+                <a:uFillTx/>
+                <a:latin typeface="나눔바른고딕" panose="020B0603020101020101" pitchFamily="50" charset="-127"/>
+                <a:ea typeface="나눔바른고딕" panose="020B0603020101020101" pitchFamily="50" charset="-127"/>
+                <a:cs typeface="+mn-cs"/>
+              </a:rPr>
+              <a:t>미분을 응용한 예 </a:t>
+            </a:r>
+            <a:endParaRPr kumimoji="0" lang="ko-KR" altLang="en-US" sz="1800" b="0" i="0" u="none" strike="noStrike" kern="1200" cap="none" spc="0" normalizeH="0" baseline="0" noProof="0" dirty="0">
+              <a:ln>
+                <a:noFill/>
+              </a:ln>
+              <a:solidFill>
+                <a:prstClr val="white"/>
+              </a:solidFill>
+              <a:effectLst/>
+              <a:uLnTx/>
+              <a:uFillTx/>
+              <a:latin typeface="나눔바른고딕" panose="020B0603020101020101" pitchFamily="50" charset="-127"/>
+              <a:ea typeface="나눔바른고딕" panose="020B0603020101020101" pitchFamily="50" charset="-127"/>
+              <a:cs typeface="+mn-cs"/>
+            </a:endParaRPr>
+          </a:p>
+        </p:txBody>
+      </p:sp>
+      <p:grpSp>
+        <p:nvGrpSpPr>
+          <p:cNvPr id="24" name="그룹 23"/>
+          <p:cNvGrpSpPr/>
+          <p:nvPr/>
+        </p:nvGrpSpPr>
+        <p:grpSpPr>
+          <a:xfrm>
+            <a:off x="10971530" y="345440"/>
+            <a:ext cx="1332231" cy="863600"/>
+            <a:chOff x="10971530" y="345440"/>
+            <a:chExt cx="1332231" cy="863600"/>
+          </a:xfrm>
+        </p:grpSpPr>
+        <p:pic>
+          <p:nvPicPr>
+            <p:cNvPr id="22" name="그림 21"/>
+            <p:cNvPicPr>
+              <a:picLocks noChangeAspect="1"/>
+            </p:cNvPicPr>
+            <p:nvPr/>
+          </p:nvPicPr>
+          <p:blipFill>
+            <a:blip r:embed="rId4" cstate="print">
+              <a:extLst>
+                <a:ext uri="{28A0092B-C50C-407E-A947-70E740481C1C}">
+                  <a14:useLocalDpi xmlns:a14="http://schemas.microsoft.com/office/drawing/2010/main" val="0"/>
+                </a:ext>
+              </a:extLst>
+            </a:blip>
+            <a:stretch>
+              <a:fillRect/>
+            </a:stretch>
+          </p:blipFill>
+          <p:spPr>
+            <a:xfrm>
+              <a:off x="11008361" y="345440"/>
+              <a:ext cx="1295400" cy="863600"/>
+            </a:xfrm>
+            <a:prstGeom prst="rect">
+              <a:avLst/>
+            </a:prstGeom>
+            <a:effectLst>
+              <a:outerShdw sx="1000" sy="1000" algn="ctr" rotWithShape="0">
+                <a:srgbClr val="000000"/>
+              </a:outerShdw>
+              <a:reflection endPos="0" dir="5400000" sy="-100000" algn="bl" rotWithShape="0"/>
+            </a:effectLst>
+          </p:spPr>
+        </p:pic>
+        <p:sp>
+          <p:nvSpPr>
+            <p:cNvPr id="23" name="직사각형 22"/>
+            <p:cNvSpPr/>
+            <p:nvPr/>
+          </p:nvSpPr>
+          <p:spPr>
+            <a:xfrm>
+              <a:off x="10971530" y="375919"/>
+              <a:ext cx="1181100" cy="646331"/>
+            </a:xfrm>
+            <a:prstGeom prst="rect">
+              <a:avLst/>
+            </a:prstGeom>
+            <a:solidFill>
+              <a:schemeClr val="accent1">
+                <a:alpha val="50000"/>
+              </a:schemeClr>
+            </a:solidFill>
+            <a:ln>
+              <a:noFill/>
+            </a:ln>
+          </p:spPr>
+          <p:style>
+            <a:lnRef idx="2">
+              <a:schemeClr val="accent1">
+                <a:shade val="50000"/>
+              </a:schemeClr>
+            </a:lnRef>
+            <a:fillRef idx="1">
+              <a:schemeClr val="accent1"/>
+            </a:fillRef>
+            <a:effectRef idx="0">
+              <a:schemeClr val="accent1"/>
+            </a:effectRef>
+            <a:fontRef idx="minor">
+              <a:schemeClr val="lt1"/>
+            </a:fontRef>
+          </p:style>
+          <p:txBody>
+            <a:bodyPr rtlCol="0" anchor="ctr"/>
+            <a:lstStyle/>
+            <a:p>
+              <a:pPr marL="0" marR="0" lvl="0" indent="0" algn="ctr" defTabSz="914400" rtl="0" eaLnBrk="1" fontAlgn="auto" latinLnBrk="1" hangingPunct="1">
+                <a:lnSpc>
+                  <a:spcPct val="100000"/>
+                </a:lnSpc>
+                <a:spcBef>
+                  <a:spcPts val="0"/>
+                </a:spcBef>
+                <a:spcAft>
+                  <a:spcPts val="0"/>
+                </a:spcAft>
+                <a:buClrTx/>
+                <a:buSzTx/>
+                <a:buFontTx/>
+                <a:buNone/>
+                <a:tabLst/>
+                <a:defRPr/>
+              </a:pPr>
+              <a:endParaRPr kumimoji="0" lang="ko-KR" altLang="en-US" sz="1800" b="0" i="0" u="none" strike="noStrike" kern="1200" cap="none" spc="0" normalizeH="0" baseline="0" noProof="0">
+                <a:ln>
+                  <a:noFill/>
+                </a:ln>
+                <a:solidFill>
+                  <a:prstClr val="white"/>
+                </a:solidFill>
+                <a:effectLst/>
+                <a:uLnTx/>
+                <a:uFillTx/>
+                <a:latin typeface="나눔바른고딕 Light"/>
+                <a:ea typeface="맑은 고딕"/>
+                <a:cs typeface="+mn-cs"/>
+              </a:endParaRPr>
+            </a:p>
+          </p:txBody>
+        </p:sp>
+      </p:grpSp>
+      <p:sp>
+        <p:nvSpPr>
+          <p:cNvPr id="28" name="모서리가 둥근 직사각형 12">
+            <a:extLst>
+              <a:ext uri="{FF2B5EF4-FFF2-40B4-BE49-F238E27FC236}">
+                <a16:creationId xmlns:a16="http://schemas.microsoft.com/office/drawing/2014/main" id="{A68A132B-3CF2-45FD-BF57-C9DA6C992685}"/>
+              </a:ext>
+            </a:extLst>
+          </p:cNvPr>
+          <p:cNvSpPr/>
+          <p:nvPr/>
+        </p:nvSpPr>
+        <p:spPr>
+          <a:xfrm>
+            <a:off x="1055971" y="4439319"/>
+            <a:ext cx="10269914" cy="2157494"/>
+          </a:xfrm>
+          <a:prstGeom prst="roundRect">
+            <a:avLst/>
+          </a:prstGeom>
+          <a:solidFill>
+            <a:srgbClr val="93C9D4"/>
+          </a:solidFill>
+          <a:ln w="19050" cmpd="sng">
+            <a:noFill/>
+            <a:prstDash val="dash"/>
+          </a:ln>
+        </p:spPr>
+        <p:style>
+          <a:lnRef idx="2">
+            <a:schemeClr val="accent1">
+              <a:shade val="50000"/>
+            </a:schemeClr>
+          </a:lnRef>
+          <a:fillRef idx="1">
+            <a:schemeClr val="accent1"/>
+          </a:fillRef>
+          <a:effectRef idx="0">
+            <a:schemeClr val="accent1"/>
+          </a:effectRef>
+          <a:fontRef idx="minor">
+            <a:schemeClr val="lt1"/>
+          </a:fontRef>
+        </p:style>
+        <p:txBody>
+          <a:bodyPr rtlCol="0" anchor="ctr"/>
+          <a:lstStyle/>
+          <a:p>
+            <a:pPr marL="0" marR="0" lvl="0" indent="0" algn="ctr" defTabSz="914400" rtl="0" eaLnBrk="1" fontAlgn="auto" latinLnBrk="1" hangingPunct="1">
+              <a:lnSpc>
+                <a:spcPct val="100000"/>
+              </a:lnSpc>
+              <a:spcBef>
+                <a:spcPts val="0"/>
+              </a:spcBef>
+              <a:spcAft>
+                <a:spcPts val="0"/>
+              </a:spcAft>
+              <a:buClrTx/>
+              <a:buSzTx/>
+              <a:buFontTx/>
+              <a:buNone/>
+              <a:tabLst/>
+              <a:defRPr/>
+            </a:pPr>
+            <a:endParaRPr kumimoji="0" lang="ko-KR" altLang="en-US" sz="1800" b="0" i="0" u="none" strike="noStrike" kern="1200" cap="none" spc="0" normalizeH="0" baseline="0" noProof="0">
+              <a:ln>
+                <a:noFill/>
+              </a:ln>
+              <a:solidFill>
+                <a:prstClr val="white"/>
+              </a:solidFill>
+              <a:effectLst/>
+              <a:uLnTx/>
+              <a:uFillTx/>
+              <a:latin typeface="나눔바른고딕 Light"/>
+              <a:ea typeface="맑은 고딕"/>
+              <a:cs typeface="+mn-cs"/>
+            </a:endParaRPr>
+          </a:p>
+        </p:txBody>
+      </p:sp>
+      <p:sp>
+        <p:nvSpPr>
+          <p:cNvPr id="29" name="모서리가 둥근 직사각형 7">
+            <a:extLst>
+              <a:ext uri="{FF2B5EF4-FFF2-40B4-BE49-F238E27FC236}">
+                <a16:creationId xmlns:a16="http://schemas.microsoft.com/office/drawing/2014/main" id="{87570F26-78F8-452F-A681-7CE468A2508D}"/>
+              </a:ext>
+            </a:extLst>
+          </p:cNvPr>
+          <p:cNvSpPr/>
+          <p:nvPr/>
+        </p:nvSpPr>
+        <p:spPr>
+          <a:xfrm>
+            <a:off x="970760" y="4375273"/>
+            <a:ext cx="10222658" cy="2148270"/>
+          </a:xfrm>
+          <a:prstGeom prst="roundRect">
+            <a:avLst/>
+          </a:prstGeom>
+          <a:solidFill>
+            <a:schemeClr val="bg1"/>
+          </a:solidFill>
+          <a:ln w="19050" cmpd="sng">
+            <a:prstDash val="dash"/>
+          </a:ln>
+        </p:spPr>
+        <p:style>
+          <a:lnRef idx="2">
+            <a:schemeClr val="accent1">
+              <a:shade val="50000"/>
+            </a:schemeClr>
+          </a:lnRef>
+          <a:fillRef idx="1">
+            <a:schemeClr val="accent1"/>
+          </a:fillRef>
+          <a:effectRef idx="0">
+            <a:schemeClr val="accent1"/>
+          </a:effectRef>
+          <a:fontRef idx="minor">
+            <a:schemeClr val="lt1"/>
+          </a:fontRef>
+        </p:style>
+        <p:txBody>
+          <a:bodyPr rtlCol="0" anchor="ctr"/>
+          <a:lstStyle/>
+          <a:p>
+            <a:pPr lvl="0"/>
+            <a:br>
+              <a:rPr lang="ko-KR" altLang="en-US" dirty="0">
+                <a:solidFill>
+                  <a:schemeClr val="tx1"/>
+                </a:solidFill>
+              </a:rPr>
+            </a:br>
+            <a:endParaRPr kumimoji="0" lang="en-US" altLang="ko-KR" sz="1800" b="0" i="0" u="none" strike="noStrike" kern="1200" cap="none" spc="0" normalizeH="0" baseline="0" noProof="0" dirty="0">
+              <a:ln>
+                <a:noFill/>
+              </a:ln>
+              <a:solidFill>
+                <a:schemeClr val="tx1"/>
+              </a:solidFill>
+              <a:effectLst/>
+              <a:uLnTx/>
+              <a:uFillTx/>
+              <a:ea typeface="맑은 고딕"/>
+            </a:endParaRPr>
+          </a:p>
+        </p:txBody>
+      </p:sp>
+      <p:sp>
+        <p:nvSpPr>
+          <p:cNvPr id="30" name="TextBox 29">
+            <a:extLst>
+              <a:ext uri="{FF2B5EF4-FFF2-40B4-BE49-F238E27FC236}">
+                <a16:creationId xmlns:a16="http://schemas.microsoft.com/office/drawing/2014/main" id="{65362D94-70A7-49EF-852E-DE0CBBED5FE4}"/>
+              </a:ext>
+            </a:extLst>
+          </p:cNvPr>
+          <p:cNvSpPr txBox="1"/>
+          <p:nvPr/>
+        </p:nvSpPr>
+        <p:spPr>
+          <a:xfrm>
+            <a:off x="1278269" y="4716381"/>
+            <a:ext cx="9542130" cy="1477328"/>
+          </a:xfrm>
+          <a:prstGeom prst="rect">
+            <a:avLst/>
+          </a:prstGeom>
+          <a:noFill/>
+        </p:spPr>
+        <p:txBody>
+          <a:bodyPr wrap="square">
+            <a:spAutoFit/>
+          </a:bodyPr>
+          <a:lstStyle/>
+          <a:p>
+            <a:pPr algn="l" fontAlgn="base"/>
+            <a:r>
+              <a:rPr lang="ko-KR" altLang="en-US" b="0" i="0" dirty="0">
+                <a:solidFill>
+                  <a:srgbClr val="202020"/>
+                </a:solidFill>
+                <a:effectLst/>
+                <a:latin typeface="굴림" panose="020B0600000101010101" pitchFamily="50" charset="-127"/>
+                <a:ea typeface="굴림" panose="020B0600000101010101" pitchFamily="50" charset="-127"/>
+              </a:rPr>
+              <a:t>미분의 원리를 따르는 예시에는 말 그대로 순간적인 속도를 계산하여 자동차의 과속여부를 결정짓는 </a:t>
+            </a:r>
+            <a:r>
+              <a:rPr lang="ko-KR" altLang="en-US" b="0" i="0" dirty="0" err="1">
+                <a:solidFill>
+                  <a:srgbClr val="202020"/>
+                </a:solidFill>
+                <a:effectLst/>
+                <a:latin typeface="굴림" panose="020B0600000101010101" pitchFamily="50" charset="-127"/>
+                <a:ea typeface="굴림" panose="020B0600000101010101" pitchFamily="50" charset="-127"/>
+              </a:rPr>
+              <a:t>무인단속</a:t>
+            </a:r>
+            <a:r>
+              <a:rPr lang="ko-KR" altLang="en-US" b="0" i="0" dirty="0">
+                <a:solidFill>
+                  <a:srgbClr val="202020"/>
+                </a:solidFill>
+                <a:effectLst/>
+                <a:latin typeface="굴림" panose="020B0600000101010101" pitchFamily="50" charset="-127"/>
+                <a:ea typeface="굴림" panose="020B0600000101010101" pitchFamily="50" charset="-127"/>
+              </a:rPr>
+              <a:t> 카메라가 있습니다</a:t>
+            </a:r>
+            <a:r>
+              <a:rPr lang="en-US" altLang="ko-KR" b="0" i="0" dirty="0">
+                <a:solidFill>
+                  <a:srgbClr val="202020"/>
+                </a:solidFill>
+                <a:effectLst/>
+                <a:latin typeface="굴림" panose="020B0600000101010101" pitchFamily="50" charset="-127"/>
+                <a:ea typeface="굴림" panose="020B0600000101010101" pitchFamily="50" charset="-127"/>
+              </a:rPr>
+              <a:t>. </a:t>
+            </a:r>
+            <a:r>
+              <a:rPr lang="ko-KR" altLang="en-US" b="0" i="0" dirty="0">
+                <a:solidFill>
+                  <a:srgbClr val="202020"/>
+                </a:solidFill>
+                <a:effectLst/>
+                <a:latin typeface="굴림" panose="020B0600000101010101" pitchFamily="50" charset="-127"/>
+                <a:ea typeface="굴림" panose="020B0600000101010101" pitchFamily="50" charset="-127"/>
+              </a:rPr>
+              <a:t>주로 </a:t>
+            </a:r>
+            <a:r>
+              <a:rPr lang="ko-KR" altLang="en-US" b="0" i="0" dirty="0" err="1">
+                <a:solidFill>
+                  <a:srgbClr val="202020"/>
+                </a:solidFill>
+                <a:effectLst/>
+                <a:latin typeface="굴림" panose="020B0600000101010101" pitchFamily="50" charset="-127"/>
+                <a:ea typeface="굴림" panose="020B0600000101010101" pitchFamily="50" charset="-127"/>
+              </a:rPr>
+              <a:t>무인단속카메라는</a:t>
+            </a:r>
+            <a:r>
+              <a:rPr lang="ko-KR" altLang="en-US" b="0" i="0" dirty="0">
+                <a:solidFill>
+                  <a:srgbClr val="202020"/>
+                </a:solidFill>
+                <a:effectLst/>
+                <a:latin typeface="굴림" panose="020B0600000101010101" pitchFamily="50" charset="-127"/>
+                <a:ea typeface="굴림" panose="020B0600000101010101" pitchFamily="50" charset="-127"/>
+              </a:rPr>
+              <a:t> 카메라 직전 약 </a:t>
+            </a:r>
+            <a:r>
+              <a:rPr lang="en-US" altLang="ko-KR" b="0" i="0" dirty="0">
+                <a:solidFill>
+                  <a:srgbClr val="202020"/>
+                </a:solidFill>
+                <a:effectLst/>
+                <a:latin typeface="굴림" panose="020B0600000101010101" pitchFamily="50" charset="-127"/>
+                <a:ea typeface="굴림" panose="020B0600000101010101" pitchFamily="50" charset="-127"/>
+              </a:rPr>
+              <a:t>10M </a:t>
+            </a:r>
+            <a:r>
+              <a:rPr lang="ko-KR" altLang="en-US" b="0" i="0" dirty="0">
+                <a:solidFill>
+                  <a:srgbClr val="202020"/>
+                </a:solidFill>
+                <a:effectLst/>
+                <a:latin typeface="굴림" panose="020B0600000101010101" pitchFamily="50" charset="-127"/>
+                <a:ea typeface="굴림" panose="020B0600000101010101" pitchFamily="50" charset="-127"/>
+              </a:rPr>
+              <a:t>간격에 설치된 감지선을 지나는데 걸리는 시간과 속도를 측정하여 과속 판단합니다</a:t>
+            </a:r>
+            <a:r>
+              <a:rPr lang="en-US" altLang="ko-KR" b="0" i="0" dirty="0">
+                <a:solidFill>
+                  <a:srgbClr val="202020"/>
+                </a:solidFill>
+                <a:effectLst/>
+                <a:latin typeface="굴림" panose="020B0600000101010101" pitchFamily="50" charset="-127"/>
+                <a:ea typeface="굴림" panose="020B0600000101010101" pitchFamily="50" charset="-127"/>
+              </a:rPr>
+              <a:t>. </a:t>
+            </a:r>
+            <a:r>
+              <a:rPr lang="ko-KR" altLang="en-US" b="0" i="0" dirty="0">
+                <a:solidFill>
+                  <a:srgbClr val="202020"/>
+                </a:solidFill>
+                <a:effectLst/>
+                <a:latin typeface="굴림" panose="020B0600000101010101" pitchFamily="50" charset="-127"/>
+                <a:ea typeface="굴림" panose="020B0600000101010101" pitchFamily="50" charset="-127"/>
+              </a:rPr>
+              <a:t>이러한 과정은 구간의 폭이 </a:t>
+            </a:r>
+            <a:r>
+              <a:rPr lang="en-US" altLang="ko-KR" b="0" i="0" dirty="0">
+                <a:solidFill>
+                  <a:srgbClr val="202020"/>
+                </a:solidFill>
+                <a:effectLst/>
+                <a:latin typeface="굴림" panose="020B0600000101010101" pitchFamily="50" charset="-127"/>
+                <a:ea typeface="굴림" panose="020B0600000101010101" pitchFamily="50" charset="-127"/>
+              </a:rPr>
+              <a:t>0</a:t>
+            </a:r>
+            <a:r>
+              <a:rPr lang="ko-KR" altLang="en-US" b="0" i="0" dirty="0">
+                <a:solidFill>
+                  <a:srgbClr val="202020"/>
+                </a:solidFill>
+                <a:effectLst/>
+                <a:latin typeface="굴림" panose="020B0600000101010101" pitchFamily="50" charset="-127"/>
+                <a:ea typeface="굴림" panose="020B0600000101010101" pitchFamily="50" charset="-127"/>
+              </a:rPr>
+              <a:t>에 점점 가까워질수록 평균속도가 순간속도에 가까워지는 미분의 원리를 이용하여 </a:t>
+            </a:r>
+            <a:r>
+              <a:rPr lang="ko-KR" altLang="en-US" b="0" i="0" dirty="0" err="1">
+                <a:solidFill>
+                  <a:srgbClr val="202020"/>
+                </a:solidFill>
+                <a:effectLst/>
+                <a:latin typeface="굴림" panose="020B0600000101010101" pitchFamily="50" charset="-127"/>
+                <a:ea typeface="굴림" panose="020B0600000101010101" pitchFamily="50" charset="-127"/>
+              </a:rPr>
+              <a:t>이루어집</a:t>
+            </a:r>
+            <a:endParaRPr lang="ko-KR" altLang="en-US" b="0" i="0" dirty="0">
+              <a:solidFill>
+                <a:srgbClr val="555555"/>
+              </a:solidFill>
+              <a:effectLst/>
+              <a:latin typeface="AppleSDGothicNeo"/>
+            </a:endParaRPr>
+          </a:p>
+        </p:txBody>
+      </p:sp>
+      <p:pic>
+        <p:nvPicPr>
+          <p:cNvPr id="1026" name="Picture 2">
+            <a:extLst>
+              <a:ext uri="{FF2B5EF4-FFF2-40B4-BE49-F238E27FC236}">
+                <a16:creationId xmlns:a16="http://schemas.microsoft.com/office/drawing/2014/main" id="{A8926588-D982-4691-8B32-FF6BC35E5512}"/>
+              </a:ext>
+            </a:extLst>
+          </p:cNvPr>
+          <p:cNvPicPr>
+            <a:picLocks noChangeAspect="1" noChangeArrowheads="1"/>
+          </p:cNvPicPr>
+          <p:nvPr/>
+        </p:nvPicPr>
+        <p:blipFill>
+          <a:blip r:embed="rId5">
+            <a:extLst>
+              <a:ext uri="{28A0092B-C50C-407E-A947-70E740481C1C}">
+                <a14:useLocalDpi xmlns:a14="http://schemas.microsoft.com/office/drawing/2010/main" val="0"/>
+              </a:ext>
+            </a:extLst>
+          </a:blip>
+          <a:srcRect/>
+          <a:stretch>
+            <a:fillRect/>
+          </a:stretch>
+        </p:blipFill>
+        <p:spPr bwMode="auto">
+          <a:xfrm>
+            <a:off x="2246878" y="1394443"/>
+            <a:ext cx="7604911" cy="2715041"/>
+          </a:xfrm>
+          <a:prstGeom prst="rect">
+            <a:avLst/>
+          </a:prstGeom>
+          <a:noFill/>
+          <a:extLst>
+            <a:ext uri="{909E8E84-426E-40DD-AFC4-6F175D3DCCD1}">
+              <a14:hiddenFill xmlns:a14="http://schemas.microsoft.com/office/drawing/2010/main">
+                <a:solidFill>
+                  <a:srgbClr val="FFFFFF"/>
+                </a:solidFill>
+              </a14:hiddenFill>
+            </a:ext>
+          </a:extLst>
+        </p:spPr>
+      </p:pic>
+    </p:spTree>
+    <p:extLst>
+      <p:ext uri="{BB962C8B-B14F-4D97-AF65-F5344CB8AC3E}">
+        <p14:creationId xmlns:p14="http://schemas.microsoft.com/office/powerpoint/2010/main" val="2110882283"/>
       </p:ext>
     </p:extLst>
   </p:cSld>
